--- a/fuentes/contenidos/grado11/guion03/CS_11_03_MapaConceptual.pptx
+++ b/fuentes/contenidos/grado11/guion03/CS_11_03_MapaConceptual.pptx
@@ -4,6 +4,9 @@
   <p:sldMasterIdLst>
     <p:sldMasterId id="2147483660" r:id="rId1"/>
   </p:sldMasterIdLst>
+  <p:notesMasterIdLst>
+    <p:notesMasterId r:id="rId3"/>
+  </p:notesMasterIdLst>
   <p:sldIdLst>
     <p:sldId id="256" r:id="rId2"/>
   </p:sldIdLst>
@@ -106,10 +109,455 @@
   </p:defaultTextStyle>
   <p:extLst>
     <p:ext uri="{EFAFB233-063F-42B5-8137-9DF3F51BA10A}">
-      <p15:sldGuideLst xmlns="" xmlns:p15="http://schemas.microsoft.com/office/powerpoint/2012/main"/>
+      <p15:sldGuideLst xmlns:p15="http://schemas.microsoft.com/office/powerpoint/2012/main">
+        <p15:guide id="1" orient="horz" pos="2160">
+          <p15:clr>
+            <a:srgbClr val="A4A3A4"/>
+          </p15:clr>
+        </p15:guide>
+        <p15:guide id="2" pos="2880">
+          <p15:clr>
+            <a:srgbClr val="A4A3A4"/>
+          </p15:clr>
+        </p15:guide>
+      </p15:sldGuideLst>
     </p:ext>
   </p:extLst>
 </p:presentation>
+</file>
+
+<file path=ppt/notesMasters/notesMaster1.xml><?xml version="1.0" encoding="utf-8"?>
+<p:notesMaster xmlns:a="http://schemas.openxmlformats.org/drawingml/2006/main" xmlns:r="http://schemas.openxmlformats.org/officeDocument/2006/relationships" xmlns:p="http://schemas.openxmlformats.org/presentationml/2006/main">
+  <p:cSld>
+    <p:bg>
+      <p:bgRef idx="1001">
+        <a:schemeClr val="bg1"/>
+      </p:bgRef>
+    </p:bg>
+    <p:spTree>
+      <p:nvGrpSpPr>
+        <p:cNvPr id="1" name=""/>
+        <p:cNvGrpSpPr/>
+        <p:nvPr/>
+      </p:nvGrpSpPr>
+      <p:grpSpPr>
+        <a:xfrm>
+          <a:off x="0" y="0"/>
+          <a:ext cx="0" cy="0"/>
+          <a:chOff x="0" y="0"/>
+          <a:chExt cx="0" cy="0"/>
+        </a:xfrm>
+      </p:grpSpPr>
+      <p:sp>
+        <p:nvSpPr>
+          <p:cNvPr id="2" name="Marcador de encabezado 1"/>
+          <p:cNvSpPr>
+            <a:spLocks noGrp="1"/>
+          </p:cNvSpPr>
+          <p:nvPr>
+            <p:ph type="hdr" sz="quarter"/>
+          </p:nvPr>
+        </p:nvSpPr>
+        <p:spPr>
+          <a:xfrm>
+            <a:off x="0" y="0"/>
+            <a:ext cx="2971800" cy="458788"/>
+          </a:xfrm>
+          <a:prstGeom prst="rect">
+            <a:avLst/>
+          </a:prstGeom>
+        </p:spPr>
+        <p:txBody>
+          <a:bodyPr vert="horz" lIns="91440" tIns="45720" rIns="91440" bIns="45720" rtlCol="0"/>
+          <a:lstStyle>
+            <a:lvl1pPr algn="l">
+              <a:defRPr sz="1200"/>
+            </a:lvl1pPr>
+          </a:lstStyle>
+          <a:p>
+            <a:endParaRPr lang="es-CO"/>
+          </a:p>
+        </p:txBody>
+      </p:sp>
+      <p:sp>
+        <p:nvSpPr>
+          <p:cNvPr id="3" name="Marcador de fecha 2"/>
+          <p:cNvSpPr>
+            <a:spLocks noGrp="1"/>
+          </p:cNvSpPr>
+          <p:nvPr>
+            <p:ph type="dt" idx="1"/>
+          </p:nvPr>
+        </p:nvSpPr>
+        <p:spPr>
+          <a:xfrm>
+            <a:off x="3884613" y="0"/>
+            <a:ext cx="2971800" cy="458788"/>
+          </a:xfrm>
+          <a:prstGeom prst="rect">
+            <a:avLst/>
+          </a:prstGeom>
+        </p:spPr>
+        <p:txBody>
+          <a:bodyPr vert="horz" lIns="91440" tIns="45720" rIns="91440" bIns="45720" rtlCol="0"/>
+          <a:lstStyle>
+            <a:lvl1pPr algn="r">
+              <a:defRPr sz="1200"/>
+            </a:lvl1pPr>
+          </a:lstStyle>
+          <a:p>
+            <a:fld id="{121066AC-3F2D-46A9-8AD3-818A0D894ADA}" type="datetimeFigureOut">
+              <a:rPr lang="es-CO" smtClean="0"/>
+              <a:t>23/08/2015</a:t>
+            </a:fld>
+            <a:endParaRPr lang="es-CO"/>
+          </a:p>
+        </p:txBody>
+      </p:sp>
+      <p:sp>
+        <p:nvSpPr>
+          <p:cNvPr id="4" name="Marcador de imagen de diapositiva 3"/>
+          <p:cNvSpPr>
+            <a:spLocks noGrp="1" noRot="1" noChangeAspect="1"/>
+          </p:cNvSpPr>
+          <p:nvPr>
+            <p:ph type="sldImg" idx="2"/>
+          </p:nvPr>
+        </p:nvSpPr>
+        <p:spPr>
+          <a:xfrm>
+            <a:off x="1371600" y="1143000"/>
+            <a:ext cx="4114800" cy="3086100"/>
+          </a:xfrm>
+          <a:prstGeom prst="rect">
+            <a:avLst/>
+          </a:prstGeom>
+          <a:noFill/>
+          <a:ln w="12700">
+            <a:solidFill>
+              <a:prstClr val="black"/>
+            </a:solidFill>
+          </a:ln>
+        </p:spPr>
+        <p:txBody>
+          <a:bodyPr vert="horz" lIns="91440" tIns="45720" rIns="91440" bIns="45720" rtlCol="0" anchor="ctr"/>
+          <a:lstStyle/>
+          <a:p>
+            <a:endParaRPr lang="es-CO"/>
+          </a:p>
+        </p:txBody>
+      </p:sp>
+      <p:sp>
+        <p:nvSpPr>
+          <p:cNvPr id="5" name="Marcador de notas 4"/>
+          <p:cNvSpPr>
+            <a:spLocks noGrp="1"/>
+          </p:cNvSpPr>
+          <p:nvPr>
+            <p:ph type="body" sz="quarter" idx="3"/>
+          </p:nvPr>
+        </p:nvSpPr>
+        <p:spPr>
+          <a:xfrm>
+            <a:off x="685800" y="4400550"/>
+            <a:ext cx="5486400" cy="3600450"/>
+          </a:xfrm>
+          <a:prstGeom prst="rect">
+            <a:avLst/>
+          </a:prstGeom>
+        </p:spPr>
+        <p:txBody>
+          <a:bodyPr vert="horz" lIns="91440" tIns="45720" rIns="91440" bIns="45720" rtlCol="0"/>
+          <a:lstStyle/>
+          <a:p>
+            <a:pPr lvl="0"/>
+            <a:r>
+              <a:rPr lang="es-ES" smtClean="0"/>
+              <a:t>Haga clic para modificar el estilo de texto del patrón</a:t>
+            </a:r>
+          </a:p>
+          <a:p>
+            <a:pPr lvl="1"/>
+            <a:r>
+              <a:rPr lang="es-ES" smtClean="0"/>
+              <a:t>Segundo nivel</a:t>
+            </a:r>
+          </a:p>
+          <a:p>
+            <a:pPr lvl="2"/>
+            <a:r>
+              <a:rPr lang="es-ES" smtClean="0"/>
+              <a:t>Tercer nivel</a:t>
+            </a:r>
+          </a:p>
+          <a:p>
+            <a:pPr lvl="3"/>
+            <a:r>
+              <a:rPr lang="es-ES" smtClean="0"/>
+              <a:t>Cuarto nivel</a:t>
+            </a:r>
+          </a:p>
+          <a:p>
+            <a:pPr lvl="4"/>
+            <a:r>
+              <a:rPr lang="es-ES" smtClean="0"/>
+              <a:t>Quinto nivel</a:t>
+            </a:r>
+            <a:endParaRPr lang="es-CO"/>
+          </a:p>
+        </p:txBody>
+      </p:sp>
+      <p:sp>
+        <p:nvSpPr>
+          <p:cNvPr id="6" name="Marcador de pie de página 5"/>
+          <p:cNvSpPr>
+            <a:spLocks noGrp="1"/>
+          </p:cNvSpPr>
+          <p:nvPr>
+            <p:ph type="ftr" sz="quarter" idx="4"/>
+          </p:nvPr>
+        </p:nvSpPr>
+        <p:spPr>
+          <a:xfrm>
+            <a:off x="0" y="8685213"/>
+            <a:ext cx="2971800" cy="458787"/>
+          </a:xfrm>
+          <a:prstGeom prst="rect">
+            <a:avLst/>
+          </a:prstGeom>
+        </p:spPr>
+        <p:txBody>
+          <a:bodyPr vert="horz" lIns="91440" tIns="45720" rIns="91440" bIns="45720" rtlCol="0" anchor="b"/>
+          <a:lstStyle>
+            <a:lvl1pPr algn="l">
+              <a:defRPr sz="1200"/>
+            </a:lvl1pPr>
+          </a:lstStyle>
+          <a:p>
+            <a:endParaRPr lang="es-CO"/>
+          </a:p>
+        </p:txBody>
+      </p:sp>
+      <p:sp>
+        <p:nvSpPr>
+          <p:cNvPr id="7" name="Marcador de número de diapositiva 6"/>
+          <p:cNvSpPr>
+            <a:spLocks noGrp="1"/>
+          </p:cNvSpPr>
+          <p:nvPr>
+            <p:ph type="sldNum" sz="quarter" idx="5"/>
+          </p:nvPr>
+        </p:nvSpPr>
+        <p:spPr>
+          <a:xfrm>
+            <a:off x="3884613" y="8685213"/>
+            <a:ext cx="2971800" cy="458787"/>
+          </a:xfrm>
+          <a:prstGeom prst="rect">
+            <a:avLst/>
+          </a:prstGeom>
+        </p:spPr>
+        <p:txBody>
+          <a:bodyPr vert="horz" lIns="91440" tIns="45720" rIns="91440" bIns="45720" rtlCol="0" anchor="b"/>
+          <a:lstStyle>
+            <a:lvl1pPr algn="r">
+              <a:defRPr sz="1200"/>
+            </a:lvl1pPr>
+          </a:lstStyle>
+          <a:p>
+            <a:fld id="{C4DC0529-B15A-43F2-BB3D-4BE16E00F0B0}" type="slidenum">
+              <a:rPr lang="es-CO" smtClean="0"/>
+              <a:t>‹Nº›</a:t>
+            </a:fld>
+            <a:endParaRPr lang="es-CO"/>
+          </a:p>
+        </p:txBody>
+      </p:sp>
+    </p:spTree>
+    <p:extLst>
+      <p:ext uri="{BB962C8B-B14F-4D97-AF65-F5344CB8AC3E}">
+        <p14:creationId xmlns:p14="http://schemas.microsoft.com/office/powerpoint/2010/main" val="2483277023"/>
+      </p:ext>
+    </p:extLst>
+  </p:cSld>
+  <p:clrMap bg1="lt1" tx1="dk1" bg2="lt2" tx2="dk2" accent1="accent1" accent2="accent2" accent3="accent3" accent4="accent4" accent5="accent5" accent6="accent6" hlink="hlink" folHlink="folHlink"/>
+  <p:notesStyle>
+    <a:lvl1pPr marL="0" algn="l" defTabSz="914400" rtl="0" eaLnBrk="1" latinLnBrk="0" hangingPunct="1">
+      <a:defRPr sz="1200" kern="1200">
+        <a:solidFill>
+          <a:schemeClr val="tx1"/>
+        </a:solidFill>
+        <a:latin typeface="+mn-lt"/>
+        <a:ea typeface="+mn-ea"/>
+        <a:cs typeface="+mn-cs"/>
+      </a:defRPr>
+    </a:lvl1pPr>
+    <a:lvl2pPr marL="457200" algn="l" defTabSz="914400" rtl="0" eaLnBrk="1" latinLnBrk="0" hangingPunct="1">
+      <a:defRPr sz="1200" kern="1200">
+        <a:solidFill>
+          <a:schemeClr val="tx1"/>
+        </a:solidFill>
+        <a:latin typeface="+mn-lt"/>
+        <a:ea typeface="+mn-ea"/>
+        <a:cs typeface="+mn-cs"/>
+      </a:defRPr>
+    </a:lvl2pPr>
+    <a:lvl3pPr marL="914400" algn="l" defTabSz="914400" rtl="0" eaLnBrk="1" latinLnBrk="0" hangingPunct="1">
+      <a:defRPr sz="1200" kern="1200">
+        <a:solidFill>
+          <a:schemeClr val="tx1"/>
+        </a:solidFill>
+        <a:latin typeface="+mn-lt"/>
+        <a:ea typeface="+mn-ea"/>
+        <a:cs typeface="+mn-cs"/>
+      </a:defRPr>
+    </a:lvl3pPr>
+    <a:lvl4pPr marL="1371600" algn="l" defTabSz="914400" rtl="0" eaLnBrk="1" latinLnBrk="0" hangingPunct="1">
+      <a:defRPr sz="1200" kern="1200">
+        <a:solidFill>
+          <a:schemeClr val="tx1"/>
+        </a:solidFill>
+        <a:latin typeface="+mn-lt"/>
+        <a:ea typeface="+mn-ea"/>
+        <a:cs typeface="+mn-cs"/>
+      </a:defRPr>
+    </a:lvl4pPr>
+    <a:lvl5pPr marL="1828800" algn="l" defTabSz="914400" rtl="0" eaLnBrk="1" latinLnBrk="0" hangingPunct="1">
+      <a:defRPr sz="1200" kern="1200">
+        <a:solidFill>
+          <a:schemeClr val="tx1"/>
+        </a:solidFill>
+        <a:latin typeface="+mn-lt"/>
+        <a:ea typeface="+mn-ea"/>
+        <a:cs typeface="+mn-cs"/>
+      </a:defRPr>
+    </a:lvl5pPr>
+    <a:lvl6pPr marL="2286000" algn="l" defTabSz="914400" rtl="0" eaLnBrk="1" latinLnBrk="0" hangingPunct="1">
+      <a:defRPr sz="1200" kern="1200">
+        <a:solidFill>
+          <a:schemeClr val="tx1"/>
+        </a:solidFill>
+        <a:latin typeface="+mn-lt"/>
+        <a:ea typeface="+mn-ea"/>
+        <a:cs typeface="+mn-cs"/>
+      </a:defRPr>
+    </a:lvl6pPr>
+    <a:lvl7pPr marL="2743200" algn="l" defTabSz="914400" rtl="0" eaLnBrk="1" latinLnBrk="0" hangingPunct="1">
+      <a:defRPr sz="1200" kern="1200">
+        <a:solidFill>
+          <a:schemeClr val="tx1"/>
+        </a:solidFill>
+        <a:latin typeface="+mn-lt"/>
+        <a:ea typeface="+mn-ea"/>
+        <a:cs typeface="+mn-cs"/>
+      </a:defRPr>
+    </a:lvl7pPr>
+    <a:lvl8pPr marL="3200400" algn="l" defTabSz="914400" rtl="0" eaLnBrk="1" latinLnBrk="0" hangingPunct="1">
+      <a:defRPr sz="1200" kern="1200">
+        <a:solidFill>
+          <a:schemeClr val="tx1"/>
+        </a:solidFill>
+        <a:latin typeface="+mn-lt"/>
+        <a:ea typeface="+mn-ea"/>
+        <a:cs typeface="+mn-cs"/>
+      </a:defRPr>
+    </a:lvl8pPr>
+    <a:lvl9pPr marL="3657600" algn="l" defTabSz="914400" rtl="0" eaLnBrk="1" latinLnBrk="0" hangingPunct="1">
+      <a:defRPr sz="1200" kern="1200">
+        <a:solidFill>
+          <a:schemeClr val="tx1"/>
+        </a:solidFill>
+        <a:latin typeface="+mn-lt"/>
+        <a:ea typeface="+mn-ea"/>
+        <a:cs typeface="+mn-cs"/>
+      </a:defRPr>
+    </a:lvl9pPr>
+  </p:notesStyle>
+</p:notesMaster>
+</file>
+
+<file path=ppt/notesSlides/notesSlide1.xml><?xml version="1.0" encoding="utf-8"?>
+<p:notes xmlns:a="http://schemas.openxmlformats.org/drawingml/2006/main" xmlns:r="http://schemas.openxmlformats.org/officeDocument/2006/relationships" xmlns:p="http://schemas.openxmlformats.org/presentationml/2006/main">
+  <p:cSld>
+    <p:spTree>
+      <p:nvGrpSpPr>
+        <p:cNvPr id="1" name=""/>
+        <p:cNvGrpSpPr/>
+        <p:nvPr/>
+      </p:nvGrpSpPr>
+      <p:grpSpPr>
+        <a:xfrm>
+          <a:off x="0" y="0"/>
+          <a:ext cx="0" cy="0"/>
+          <a:chOff x="0" y="0"/>
+          <a:chExt cx="0" cy="0"/>
+        </a:xfrm>
+      </p:grpSpPr>
+      <p:sp>
+        <p:nvSpPr>
+          <p:cNvPr id="2" name="Marcador de imagen de diapositiva 1"/>
+          <p:cNvSpPr>
+            <a:spLocks noGrp="1" noRot="1" noChangeAspect="1"/>
+          </p:cNvSpPr>
+          <p:nvPr>
+            <p:ph type="sldImg"/>
+          </p:nvPr>
+        </p:nvSpPr>
+        <p:spPr/>
+      </p:sp>
+      <p:sp>
+        <p:nvSpPr>
+          <p:cNvPr id="3" name="Marcador de notas 2"/>
+          <p:cNvSpPr>
+            <a:spLocks noGrp="1"/>
+          </p:cNvSpPr>
+          <p:nvPr>
+            <p:ph type="body" idx="1"/>
+          </p:nvPr>
+        </p:nvSpPr>
+        <p:spPr/>
+        <p:txBody>
+          <a:bodyPr/>
+          <a:lstStyle/>
+          <a:p>
+            <a:endParaRPr lang="es-CO"/>
+          </a:p>
+        </p:txBody>
+      </p:sp>
+      <p:sp>
+        <p:nvSpPr>
+          <p:cNvPr id="4" name="Marcador de número de diapositiva 3"/>
+          <p:cNvSpPr>
+            <a:spLocks noGrp="1"/>
+          </p:cNvSpPr>
+          <p:nvPr>
+            <p:ph type="sldNum" sz="quarter" idx="10"/>
+          </p:nvPr>
+        </p:nvSpPr>
+        <p:spPr/>
+        <p:txBody>
+          <a:bodyPr/>
+          <a:lstStyle/>
+          <a:p>
+            <a:fld id="{C4DC0529-B15A-43F2-BB3D-4BE16E00F0B0}" type="slidenum">
+              <a:rPr lang="es-CO" smtClean="0"/>
+              <a:t>1</a:t>
+            </a:fld>
+            <a:endParaRPr lang="es-CO"/>
+          </a:p>
+        </p:txBody>
+      </p:sp>
+    </p:spTree>
+    <p:extLst>
+      <p:ext uri="{BB962C8B-B14F-4D97-AF65-F5344CB8AC3E}">
+        <p14:creationId xmlns:p14="http://schemas.microsoft.com/office/powerpoint/2010/main" val="1676518206"/>
+      </p:ext>
+    </p:extLst>
+  </p:cSld>
+  <p:clrMapOvr>
+    <a:masterClrMapping/>
+  </p:clrMapOvr>
+</p:notes>
 </file>
 
 <file path=ppt/slideLayouts/slideLayout1.xml><?xml version="1.0" encoding="utf-8"?>
@@ -142,7 +590,7 @@
   <p:timing>
     <p:tnLst>
       <p:par>
-        <p:cTn xmlns:p14="http://schemas.microsoft.com/office/powerpoint/2010/main" id="1" dur="indefinite" restart="never" nodeType="tmRoot"/>
+        <p:cTn id="1" dur="indefinite" restart="never" nodeType="tmRoot"/>
       </p:par>
     </p:tnLst>
   </p:timing>
@@ -179,7 +627,7 @@
   <p:timing>
     <p:tnLst>
       <p:par>
-        <p:cTn xmlns:p14="http://schemas.microsoft.com/office/powerpoint/2010/main" id="1" dur="indefinite" restart="never" nodeType="tmRoot"/>
+        <p:cTn id="1" dur="indefinite" restart="never" nodeType="tmRoot"/>
       </p:par>
     </p:tnLst>
   </p:timing>
@@ -216,7 +664,7 @@
   <p:timing>
     <p:tnLst>
       <p:par>
-        <p:cTn xmlns:p14="http://schemas.microsoft.com/office/powerpoint/2010/main" id="1" dur="indefinite" restart="never" nodeType="tmRoot"/>
+        <p:cTn id="1" dur="indefinite" restart="never" nodeType="tmRoot"/>
       </p:par>
     </p:tnLst>
   </p:timing>
@@ -253,7 +701,7 @@
   <p:timing>
     <p:tnLst>
       <p:par>
-        <p:cTn xmlns:p14="http://schemas.microsoft.com/office/powerpoint/2010/main" id="1" dur="indefinite" restart="never" nodeType="tmRoot"/>
+        <p:cTn id="1" dur="indefinite" restart="never" nodeType="tmRoot"/>
       </p:par>
     </p:tnLst>
   </p:timing>
@@ -290,7 +738,7 @@
   <p:timing>
     <p:tnLst>
       <p:par>
-        <p:cTn xmlns:p14="http://schemas.microsoft.com/office/powerpoint/2010/main" id="1" dur="indefinite" restart="never" nodeType="tmRoot"/>
+        <p:cTn id="1" dur="indefinite" restart="never" nodeType="tmRoot"/>
       </p:par>
     </p:tnLst>
   </p:timing>
@@ -327,7 +775,7 @@
   <p:timing>
     <p:tnLst>
       <p:par>
-        <p:cTn xmlns:p14="http://schemas.microsoft.com/office/powerpoint/2010/main" id="1" dur="indefinite" restart="never" nodeType="tmRoot"/>
+        <p:cTn id="1" dur="indefinite" restart="never" nodeType="tmRoot"/>
       </p:par>
     </p:tnLst>
   </p:timing>
@@ -364,7 +812,7 @@
   <p:timing>
     <p:tnLst>
       <p:par>
-        <p:cTn xmlns:p14="http://schemas.microsoft.com/office/powerpoint/2010/main" id="1" dur="indefinite" restart="never" nodeType="tmRoot"/>
+        <p:cTn id="1" dur="indefinite" restart="never" nodeType="tmRoot"/>
       </p:par>
     </p:tnLst>
   </p:timing>
@@ -401,7 +849,7 @@
   <p:timing>
     <p:tnLst>
       <p:par>
-        <p:cTn xmlns:p14="http://schemas.microsoft.com/office/powerpoint/2010/main" id="1" dur="indefinite" restart="never" nodeType="tmRoot"/>
+        <p:cTn id="1" dur="indefinite" restart="never" nodeType="tmRoot"/>
       </p:par>
     </p:tnLst>
   </p:timing>
@@ -450,7 +898,7 @@
           <a:p>
             <a:fld id="{5001C876-01F7-4317-94B9-1AE222133113}" type="datetimeFigureOut">
               <a:rPr lang="es-ES" smtClean="0"/>
-              <a:t>20/08/15</a:t>
+              <a:t>23/08/2015</a:t>
             </a:fld>
             <a:endParaRPr lang="es-ES"/>
           </a:p>
@@ -508,7 +956,7 @@
           <a:p>
             <a:fld id="{58140F73-F5A2-4B82-A2FA-BF1850CF1309}" type="slidenum">
               <a:rPr lang="es-ES" smtClean="0"/>
-              <a:t>‹Nr.›</a:t>
+              <a:t>‹Nº›</a:t>
             </a:fld>
             <a:endParaRPr lang="es-ES"/>
           </a:p>
@@ -527,7 +975,7 @@
   <p:timing>
     <p:tnLst>
       <p:par>
-        <p:cTn xmlns:p14="http://schemas.microsoft.com/office/powerpoint/2010/main" id="1" dur="indefinite" restart="never" nodeType="tmRoot"/>
+        <p:cTn id="1" dur="indefinite" restart="never" nodeType="tmRoot"/>
       </p:par>
     </p:tnLst>
   </p:timing>
@@ -564,7 +1012,7 @@
   <p:timing>
     <p:tnLst>
       <p:par>
-        <p:cTn xmlns:p14="http://schemas.microsoft.com/office/powerpoint/2010/main" id="1" dur="indefinite" restart="never" nodeType="tmRoot"/>
+        <p:cTn id="1" dur="indefinite" restart="never" nodeType="tmRoot"/>
       </p:par>
     </p:tnLst>
   </p:timing>
@@ -601,7 +1049,7 @@
   <p:timing>
     <p:tnLst>
       <p:par>
-        <p:cTn xmlns:p14="http://schemas.microsoft.com/office/powerpoint/2010/main" id="1" dur="indefinite" restart="never" nodeType="tmRoot"/>
+        <p:cTn id="1" dur="indefinite" restart="never" nodeType="tmRoot"/>
       </p:par>
     </p:tnLst>
   </p:timing>
@@ -714,7 +1162,7 @@
   <p:timing>
     <p:tnLst>
       <p:par>
-        <p:cTn xmlns:p14="http://schemas.microsoft.com/office/powerpoint/2010/main" id="1" dur="indefinite" restart="never" nodeType="tmRoot"/>
+        <p:cTn id="1" dur="indefinite" restart="never" nodeType="tmRoot"/>
       </p:par>
     </p:tnLst>
   </p:timing>
@@ -1062,11 +1510,7 @@
             <a:pPr algn="ctr"/>
             <a:r>
               <a:rPr lang="es-ES" sz="1600" b="1" dirty="0" smtClean="0"/>
-              <a:t>Am</a:t>
-            </a:r>
-            <a:r>
-              <a:rPr lang="es-ES" sz="1600" b="1" dirty="0" smtClean="0"/>
-              <a:t>érica Latina a inicios del siglo XX</a:t>
+              <a:t>América Latina a inicios del siglo XX</a:t>
             </a:r>
             <a:endParaRPr lang="es-ES" sz="1600" b="1" dirty="0"/>
           </a:p>
@@ -1180,15 +1624,7 @@
             <a:pPr algn="ctr"/>
             <a:r>
               <a:rPr lang="es-ES" sz="1300" b="1" dirty="0" smtClean="0"/>
-              <a:t>Crisis pol</a:t>
-            </a:r>
-            <a:r>
-              <a:rPr lang="es-ES" sz="1300" b="1" dirty="0" smtClean="0"/>
-              <a:t>ítica y </a:t>
-            </a:r>
-            <a:r>
-              <a:rPr lang="es-ES" sz="1300" b="1" dirty="0" smtClean="0"/>
-              <a:t>socioeconómica</a:t>
+              <a:t>Crisis política y socioeconómica</a:t>
             </a:r>
             <a:endParaRPr lang="es-ES" sz="1300" b="1" dirty="0"/>
           </a:p>
@@ -1452,11 +1888,7 @@
             <a:pPr algn="ctr"/>
             <a:r>
               <a:rPr lang="es-ES" sz="900" dirty="0" smtClean="0"/>
-              <a:t>Radicó</a:t>
-            </a:r>
-            <a:r>
-              <a:rPr lang="es-ES" sz="900" dirty="0" smtClean="0"/>
-              <a:t> en</a:t>
+              <a:t>Radicó en</a:t>
             </a:r>
             <a:endParaRPr lang="es-ES" sz="900" dirty="0"/>
           </a:p>
@@ -1696,31 +2128,7 @@
                   <a:schemeClr val="bg1"/>
                 </a:solidFill>
               </a:rPr>
-              <a:t>Modelo econ</a:t>
-            </a:r>
-            <a:r>
-              <a:rPr lang="es-ES" sz="1000" dirty="0" smtClean="0">
-                <a:solidFill>
-                  <a:schemeClr val="bg1"/>
-                </a:solidFill>
-              </a:rPr>
-              <a:t>ó</a:t>
-            </a:r>
-            <a:r>
-              <a:rPr lang="es-ES" sz="1000" dirty="0" smtClean="0">
-                <a:solidFill>
-                  <a:schemeClr val="bg1"/>
-                </a:solidFill>
-              </a:rPr>
-              <a:t>mico y pol</a:t>
-            </a:r>
-            <a:r>
-              <a:rPr lang="es-ES" sz="1000" dirty="0" smtClean="0">
-                <a:solidFill>
-                  <a:schemeClr val="bg1"/>
-                </a:solidFill>
-              </a:rPr>
-              <a:t>ítico</a:t>
+              <a:t>Modelo económico y político</a:t>
             </a:r>
             <a:endParaRPr lang="es-ES" sz="1000" dirty="0">
               <a:solidFill>
@@ -1820,7 +2228,7 @@
                   <a:schemeClr val="bg1"/>
                 </a:solidFill>
               </a:rPr>
-              <a:t>La implantaci</a:t>
+              <a:t>La implantación del </a:t>
             </a:r>
             <a:r>
               <a:rPr lang="es-ES" sz="1000" dirty="0" smtClean="0">
@@ -1828,7 +2236,7 @@
                   <a:schemeClr val="bg1"/>
                 </a:solidFill>
               </a:rPr>
-              <a:t>ón del Neoliberalismo</a:t>
+              <a:t>neoliberalismo</a:t>
             </a:r>
             <a:endParaRPr lang="es-ES" sz="1000" dirty="0">
               <a:solidFill>
@@ -1888,7 +2296,15 @@
                   <a:schemeClr val="bg1"/>
                 </a:solidFill>
               </a:rPr>
-              <a:t>Crisis Social</a:t>
+              <a:t>Crisis </a:t>
+            </a:r>
+            <a:r>
+              <a:rPr lang="es-ES" sz="1000" dirty="0" smtClean="0">
+                <a:solidFill>
+                  <a:schemeClr val="bg1"/>
+                </a:solidFill>
+              </a:rPr>
+              <a:t>social</a:t>
             </a:r>
             <a:endParaRPr lang="es-ES" sz="1000" dirty="0">
               <a:solidFill>
@@ -1948,15 +2364,7 @@
                   <a:schemeClr val="bg1"/>
                 </a:solidFill>
               </a:rPr>
-              <a:t>Crisis pol</a:t>
-            </a:r>
-            <a:r>
-              <a:rPr lang="es-ES" sz="1000" dirty="0" smtClean="0">
-                <a:solidFill>
-                  <a:schemeClr val="bg1"/>
-                </a:solidFill>
-              </a:rPr>
-              <a:t>ítica</a:t>
+              <a:t>Crisis política</a:t>
             </a:r>
             <a:endParaRPr lang="es-ES" sz="1000" dirty="0">
               <a:solidFill>
@@ -2129,15 +2537,7 @@
                   <a:schemeClr val="bg1"/>
                 </a:solidFill>
               </a:rPr>
-              <a:t>La crisis pol</a:t>
-            </a:r>
-            <a:r>
-              <a:rPr lang="es-ES" sz="1000" dirty="0" smtClean="0">
-                <a:solidFill>
-                  <a:schemeClr val="bg1"/>
-                </a:solidFill>
-              </a:rPr>
-              <a:t>ítica y socioeconómica</a:t>
+              <a:t>La crisis política y socioeconómica</a:t>
             </a:r>
             <a:endParaRPr lang="es-ES" sz="1000" dirty="0">
               <a:solidFill>
@@ -2447,15 +2847,7 @@
                   <a:schemeClr val="tx1"/>
                 </a:solidFill>
               </a:rPr>
-              <a:t>No intervenci</a:t>
-            </a:r>
-            <a:r>
-              <a:rPr lang="es-ES" sz="900" dirty="0" smtClean="0">
-                <a:solidFill>
-                  <a:schemeClr val="tx1"/>
-                </a:solidFill>
-              </a:rPr>
-              <a:t>ón del Estado en Economía.</a:t>
+              <a:t>No intervención del Estado en Economía.</a:t>
             </a:r>
           </a:p>
           <a:p>
@@ -2948,15 +3340,17 @@
                   <a:schemeClr val="tx1"/>
                 </a:solidFill>
               </a:rPr>
-              <a:t>- Pol</a:t>
-            </a:r>
+              <a:t>- Políticas favorables a sectores populares</a:t>
+            </a:r>
+          </a:p>
+          <a:p>
             <a:r>
               <a:rPr lang="es-ES" sz="900" dirty="0" smtClean="0">
                 <a:solidFill>
                   <a:schemeClr val="tx1"/>
                 </a:solidFill>
               </a:rPr>
-              <a:t>íticas favorables a sectores populares</a:t>
+              <a:t>- Estado interventor en economía</a:t>
             </a:r>
           </a:p>
           <a:p>
@@ -2966,15 +3360,17 @@
                   <a:schemeClr val="tx1"/>
                 </a:solidFill>
               </a:rPr>
-              <a:t>- Estado interventor en econom</a:t>
-            </a:r>
+              <a:t>- Democracia como método</a:t>
+            </a:r>
+          </a:p>
+          <a:p>
             <a:r>
               <a:rPr lang="es-ES" sz="900" dirty="0" smtClean="0">
                 <a:solidFill>
                   <a:schemeClr val="tx1"/>
                 </a:solidFill>
               </a:rPr>
-              <a:t>ía</a:t>
+              <a:t>- Discurso latinoamericanista</a:t>
             </a:r>
           </a:p>
           <a:p>
@@ -2984,7 +3380,7 @@
                   <a:schemeClr val="tx1"/>
                 </a:solidFill>
               </a:rPr>
-              <a:t>- Democracia como m</a:t>
+              <a:t>- Crítica al </a:t>
             </a:r>
             <a:r>
               <a:rPr lang="es-ES" sz="900" dirty="0" smtClean="0">
@@ -2992,17 +3388,15 @@
                   <a:schemeClr val="tx1"/>
                 </a:solidFill>
               </a:rPr>
-              <a:t>étodo</a:t>
-            </a:r>
-          </a:p>
-          <a:p>
+              <a:t>modelo </a:t>
+            </a:r>
             <a:r>
               <a:rPr lang="es-ES" sz="900" dirty="0" smtClean="0">
                 <a:solidFill>
                   <a:schemeClr val="tx1"/>
                 </a:solidFill>
               </a:rPr>
-              <a:t>- Discurso latinoamericanista</a:t>
+              <a:t>de Desarrollo</a:t>
             </a:r>
           </a:p>
           <a:p>
@@ -3012,7 +3406,7 @@
                   <a:schemeClr val="tx1"/>
                 </a:solidFill>
               </a:rPr>
-              <a:t>- Cr</a:t>
+              <a:t>- Partidario </a:t>
             </a:r>
             <a:r>
               <a:rPr lang="es-ES" sz="900" dirty="0" smtClean="0">
@@ -3020,17 +3414,63 @@
                   <a:schemeClr val="tx1"/>
                 </a:solidFill>
               </a:rPr>
-              <a:t>ítica al Modelo de Desarrollo</a:t>
-            </a:r>
-          </a:p>
-          <a:p>
+              <a:t>de </a:t>
+            </a:r>
             <a:r>
               <a:rPr lang="es-ES" sz="900" dirty="0" smtClean="0">
                 <a:solidFill>
                   <a:schemeClr val="tx1"/>
                 </a:solidFill>
               </a:rPr>
-              <a:t>Partidario de otro modelo, el Buen vivir.</a:t>
+              <a:t>otros </a:t>
+            </a:r>
+            <a:r>
+              <a:rPr lang="es-ES" sz="900" dirty="0" smtClean="0">
+                <a:solidFill>
+                  <a:schemeClr val="tx1"/>
+                </a:solidFill>
+              </a:rPr>
+              <a:t>modelo</a:t>
+            </a:r>
+            <a:r>
+              <a:rPr lang="es-ES" sz="900" dirty="0" smtClean="0">
+                <a:solidFill>
+                  <a:schemeClr val="tx1"/>
+                </a:solidFill>
+              </a:rPr>
+              <a:t>, como </a:t>
+            </a:r>
+            <a:r>
+              <a:rPr lang="es-ES" sz="900" dirty="0" smtClean="0">
+                <a:solidFill>
+                  <a:schemeClr val="tx1"/>
+                </a:solidFill>
+              </a:rPr>
+              <a:t>el </a:t>
+            </a:r>
+            <a:r>
+              <a:rPr lang="es-ES" sz="900" smtClean="0">
+                <a:solidFill>
+                  <a:schemeClr val="tx1"/>
+                </a:solidFill>
+              </a:rPr>
+              <a:t>Buen </a:t>
+            </a:r>
+            <a:r>
+              <a:rPr lang="es-ES" sz="900" smtClean="0">
+                <a:solidFill>
+                  <a:schemeClr val="tx1"/>
+                </a:solidFill>
+              </a:rPr>
+              <a:t>Vivir</a:t>
+            </a:r>
+            <a:r>
+              <a:rPr lang="es-ES" sz="900" dirty="0" smtClean="0">
+                <a:solidFill>
+                  <a:schemeClr val="tx1"/>
+                </a:solidFill>
+              </a:rPr>
+              <a:t>.</a:t>
             </a:r>
             <a:endParaRPr lang="es-ES" sz="900" dirty="0">
               <a:solidFill>
@@ -3213,7 +3653,6 @@
               <a:rPr lang="es-ES" sz="900" dirty="0"/>
               <a:t>Consistente en</a:t>
             </a:r>
-            <a:endParaRPr lang="es-ES" sz="900" dirty="0"/>
           </a:p>
         </p:txBody>
       </p:sp>
@@ -3312,23 +3751,7 @@
                   <a:schemeClr val="tx1"/>
                 </a:solidFill>
               </a:rPr>
-              <a:t>Enfrentamientos con la polic</a:t>
-            </a:r>
-            <a:r>
-              <a:rPr lang="es-ES" sz="900" dirty="0" smtClean="0">
-                <a:solidFill>
-                  <a:schemeClr val="tx1"/>
-                </a:solidFill>
-              </a:rPr>
-              <a:t>í</a:t>
-            </a:r>
-            <a:r>
-              <a:rPr lang="es-ES" sz="900" dirty="0" smtClean="0">
-                <a:solidFill>
-                  <a:schemeClr val="tx1"/>
-                </a:solidFill>
-              </a:rPr>
-              <a:t>a</a:t>
+              <a:t>Enfrentamientos con la policía</a:t>
             </a:r>
             <a:endParaRPr lang="es-ES" sz="900" dirty="0">
               <a:solidFill>
@@ -3493,7 +3916,15 @@
                   <a:schemeClr val="tx1"/>
                 </a:solidFill>
               </a:rPr>
-              <a:t>Durante la dictadura Chilena </a:t>
+              <a:t>Durante la dictadura </a:t>
+            </a:r>
+            <a:r>
+              <a:rPr lang="es-ES" sz="900" dirty="0" smtClean="0">
+                <a:solidFill>
+                  <a:schemeClr val="tx1"/>
+                </a:solidFill>
+              </a:rPr>
+              <a:t>chilena </a:t>
             </a:r>
             <a:r>
               <a:rPr lang="es-ES" sz="900" dirty="0">
@@ -3625,20 +4056,20 @@
               <a:t>argaret </a:t>
             </a:r>
             <a:r>
-              <a:rPr lang="es-ES" sz="900" dirty="0" err="1" smtClean="0">
-                <a:solidFill>
-                  <a:schemeClr val="tx1"/>
-                </a:solidFill>
-              </a:rPr>
-              <a:t>Tatcher</a:t>
-            </a:r>
-            <a:r>
               <a:rPr lang="es-ES" sz="900" dirty="0" smtClean="0">
                 <a:solidFill>
                   <a:schemeClr val="tx1"/>
                 </a:solidFill>
               </a:rPr>
-              <a:t> en los 80</a:t>
+              <a:t>Thatcher </a:t>
+            </a:r>
+            <a:r>
+              <a:rPr lang="es-ES" sz="900" dirty="0" smtClean="0">
+                <a:solidFill>
+                  <a:schemeClr val="tx1"/>
+                </a:solidFill>
+              </a:rPr>
+              <a:t>en los 80</a:t>
             </a:r>
             <a:endParaRPr lang="es-ES" sz="900" dirty="0">
               <a:solidFill>
@@ -3806,15 +4237,7 @@
                   <a:schemeClr val="tx1"/>
                 </a:solidFill>
               </a:rPr>
-              <a:t>Am</a:t>
-            </a:r>
-            <a:r>
-              <a:rPr lang="es-ES" sz="900" dirty="0" smtClean="0">
-                <a:solidFill>
-                  <a:schemeClr val="tx1"/>
-                </a:solidFill>
-              </a:rPr>
-              <a:t>érica Latina en los 90</a:t>
+              <a:t>América Latina en los 90</a:t>
             </a:r>
             <a:endParaRPr lang="es-ES" sz="900" dirty="0">
               <a:solidFill>
@@ -3984,23 +4407,7 @@
                   <a:schemeClr val="bg1"/>
                 </a:solidFill>
               </a:rPr>
-              <a:t>Crisis econ</a:t>
-            </a:r>
-            <a:r>
-              <a:rPr lang="es-ES" sz="1000" dirty="0" smtClean="0">
-                <a:solidFill>
-                  <a:schemeClr val="bg1"/>
-                </a:solidFill>
-              </a:rPr>
-              <a:t>ó</a:t>
-            </a:r>
-            <a:r>
-              <a:rPr lang="es-ES" sz="1000" dirty="0" smtClean="0">
-                <a:solidFill>
-                  <a:schemeClr val="bg1"/>
-                </a:solidFill>
-              </a:rPr>
-              <a:t>mica</a:t>
+              <a:t>Crisis económica</a:t>
             </a:r>
             <a:endParaRPr lang="es-ES" sz="1000" dirty="0">
               <a:solidFill>
@@ -4162,15 +4569,7 @@
                   <a:schemeClr val="tx1"/>
                 </a:solidFill>
               </a:rPr>
-              <a:t>Hiperinflaci</a:t>
-            </a:r>
-            <a:r>
-              <a:rPr lang="es-ES" sz="900" dirty="0" smtClean="0">
-                <a:solidFill>
-                  <a:schemeClr val="tx1"/>
-                </a:solidFill>
-              </a:rPr>
-              <a:t>ón</a:t>
+              <a:t>Hiperinflación</a:t>
             </a:r>
           </a:p>
           <a:p>
@@ -4234,7 +4633,15 @@
                   <a:schemeClr val="tx1"/>
                 </a:solidFill>
               </a:rPr>
-              <a:t>Caída de la producción Nacional</a:t>
+              <a:t>Caída de la producción </a:t>
+            </a:r>
+            <a:r>
+              <a:rPr lang="es-ES" sz="900" dirty="0" smtClean="0">
+                <a:solidFill>
+                  <a:schemeClr val="tx1"/>
+                </a:solidFill>
+              </a:rPr>
+              <a:t>nacional</a:t>
             </a:r>
             <a:endParaRPr lang="es-ES" sz="900" dirty="0">
               <a:solidFill>
@@ -4253,7 +4660,15 @@
                   <a:schemeClr val="tx1"/>
                 </a:solidFill>
               </a:rPr>
-              <a:t>Perdida de poder adquisitivo de la moneda</a:t>
+              <a:t>Pérdida </a:t>
+            </a:r>
+            <a:r>
+              <a:rPr lang="es-ES" sz="900" dirty="0" smtClean="0">
+                <a:solidFill>
+                  <a:schemeClr val="tx1"/>
+                </a:solidFill>
+              </a:rPr>
+              <a:t>de poder adquisitivo de la moneda</a:t>
             </a:r>
           </a:p>
         </p:txBody>
@@ -4311,23 +4726,7 @@
                   <a:schemeClr val="tx1"/>
                 </a:solidFill>
               </a:rPr>
-              <a:t>Ca</a:t>
-            </a:r>
-            <a:r>
-              <a:rPr lang="es-ES" sz="900" dirty="0" smtClean="0">
-                <a:solidFill>
-                  <a:schemeClr val="tx1"/>
-                </a:solidFill>
-              </a:rPr>
-              <a:t>í</a:t>
-            </a:r>
-            <a:r>
-              <a:rPr lang="es-ES" sz="900" dirty="0" smtClean="0">
-                <a:solidFill>
-                  <a:schemeClr val="tx1"/>
-                </a:solidFill>
-              </a:rPr>
-              <a:t>da de gobiernos</a:t>
+              <a:t>Caída de gobiernos</a:t>
             </a:r>
           </a:p>
           <a:p>
@@ -4341,7 +4740,67 @@
                   <a:schemeClr val="tx1"/>
                 </a:solidFill>
               </a:rPr>
-              <a:t>Perdida de legitimidad en partidos e instituciones</a:t>
+              <a:t>Pérdida </a:t>
+            </a:r>
+            <a:r>
+              <a:rPr lang="es-ES" sz="900" dirty="0" smtClean="0">
+                <a:solidFill>
+                  <a:schemeClr val="tx1"/>
+                </a:solidFill>
+              </a:rPr>
+              <a:t>de legitimidad en partidos e instituciones</a:t>
+            </a:r>
+          </a:p>
+          <a:p>
+            <a:pPr marL="171450" indent="-171450">
+              <a:buFontTx/>
+              <a:buChar char="-"/>
+            </a:pPr>
+            <a:r>
+              <a:rPr lang="es-ES" sz="900" dirty="0" smtClean="0">
+                <a:solidFill>
+                  <a:schemeClr val="tx1"/>
+                </a:solidFill>
+              </a:rPr>
+              <a:t>Pérdida </a:t>
+            </a:r>
+            <a:r>
+              <a:rPr lang="es-ES" sz="900" dirty="0" smtClean="0">
+                <a:solidFill>
+                  <a:schemeClr val="tx1"/>
+                </a:solidFill>
+              </a:rPr>
+              <a:t>de la confianza en la democracia</a:t>
+            </a:r>
+          </a:p>
+          <a:p>
+            <a:pPr marL="171450" indent="-171450">
+              <a:buFontTx/>
+              <a:buChar char="-"/>
+            </a:pPr>
+            <a:r>
+              <a:rPr lang="es-ES" sz="900" dirty="0" smtClean="0">
+                <a:solidFill>
+                  <a:schemeClr val="tx1"/>
+                </a:solidFill>
+              </a:rPr>
+              <a:t>Pérdida </a:t>
+            </a:r>
+            <a:r>
+              <a:rPr lang="es-ES" sz="900" dirty="0" smtClean="0">
+                <a:solidFill>
+                  <a:schemeClr val="tx1"/>
+                </a:solidFill>
+              </a:rPr>
+              <a:t>de control del </a:t>
+            </a:r>
+            <a:r>
+              <a:rPr lang="es-ES" sz="900" dirty="0" smtClean="0">
+                <a:solidFill>
+                  <a:schemeClr val="tx1"/>
+                </a:solidFill>
+              </a:rPr>
+              <a:t>Estado</a:t>
             </a:r>
             <a:endParaRPr lang="es-ES" sz="900" dirty="0" smtClean="0">
               <a:solidFill>
@@ -4360,43 +4819,15 @@
                   <a:schemeClr val="tx1"/>
                 </a:solidFill>
               </a:rPr>
-              <a:t>Perdida de la confianza en la democracia</a:t>
-            </a:r>
-          </a:p>
-          <a:p>
-            <a:pPr marL="171450" indent="-171450">
-              <a:buFontTx/>
-              <a:buChar char="-"/>
-            </a:pPr>
+              <a:t>Desencanto popular con el liderazgo </a:t>
+            </a:r>
             <a:r>
               <a:rPr lang="es-ES" sz="900" dirty="0" smtClean="0">
                 <a:solidFill>
                   <a:schemeClr val="tx1"/>
                 </a:solidFill>
               </a:rPr>
-              <a:t>Perdida de control del Estado.</a:t>
-            </a:r>
-          </a:p>
-          <a:p>
-            <a:pPr marL="171450" indent="-171450">
-              <a:buFontTx/>
-              <a:buChar char="-"/>
-            </a:pPr>
-            <a:r>
-              <a:rPr lang="es-ES" sz="900" dirty="0" smtClean="0">
-                <a:solidFill>
-                  <a:schemeClr val="tx1"/>
-                </a:solidFill>
-              </a:rPr>
-              <a:t>Desencanto popular con el liderazgo pol</a:t>
-            </a:r>
-            <a:r>
-              <a:rPr lang="es-ES" sz="900" dirty="0" smtClean="0">
-                <a:solidFill>
-                  <a:schemeClr val="tx1"/>
-                </a:solidFill>
-              </a:rPr>
-              <a:t>ítico.</a:t>
+              <a:t>político</a:t>
             </a:r>
             <a:endParaRPr lang="es-ES" sz="900" dirty="0" smtClean="0">
               <a:solidFill>
@@ -4606,7 +5037,7 @@
   <p:timing>
     <p:tnLst>
       <p:par>
-        <p:cTn xmlns:p14="http://schemas.microsoft.com/office/powerpoint/2010/main" id="1" dur="indefinite" restart="never" nodeType="tmRoot"/>
+        <p:cTn id="1" dur="indefinite" restart="never" nodeType="tmRoot"/>
       </p:par>
     </p:tnLst>
   </p:timing>
@@ -4868,7 +5299,268 @@
   <a:extraClrSchemeLst/>
   <a:extLst>
     <a:ext uri="{05A4C25C-085E-4340-85A3-A5531E510DB2}">
-      <thm15:themeFamily xmlns="" xmlns:thm15="http://schemas.microsoft.com/office/thememl/2012/main" name="Office Theme" id="{62F939B6-93AF-4DB8-9C6B-D6C7DFDC589F}" vid="{4A3C46E8-61CC-4603-A589-7422A47A8E4A}"/>
+      <thm15:themeFamily xmlns:thm15="http://schemas.microsoft.com/office/thememl/2012/main" name="Office Theme" id="{62F939B6-93AF-4DB8-9C6B-D6C7DFDC589F}" vid="{4A3C46E8-61CC-4603-A589-7422A47A8E4A}"/>
+    </a:ext>
+  </a:extLst>
+</a:theme>
+</file>
+
+<file path=ppt/theme/theme2.xml><?xml version="1.0" encoding="utf-8"?>
+<a:theme xmlns:a="http://schemas.openxmlformats.org/drawingml/2006/main" name="Tema de Office">
+  <a:themeElements>
+    <a:clrScheme name="Office">
+      <a:dk1>
+        <a:sysClr val="windowText" lastClr="000000"/>
+      </a:dk1>
+      <a:lt1>
+        <a:sysClr val="window" lastClr="FFFFFF"/>
+      </a:lt1>
+      <a:dk2>
+        <a:srgbClr val="44546A"/>
+      </a:dk2>
+      <a:lt2>
+        <a:srgbClr val="E7E6E6"/>
+      </a:lt2>
+      <a:accent1>
+        <a:srgbClr val="5B9BD5"/>
+      </a:accent1>
+      <a:accent2>
+        <a:srgbClr val="ED7D31"/>
+      </a:accent2>
+      <a:accent3>
+        <a:srgbClr val="A5A5A5"/>
+      </a:accent3>
+      <a:accent4>
+        <a:srgbClr val="FFC000"/>
+      </a:accent4>
+      <a:accent5>
+        <a:srgbClr val="4472C4"/>
+      </a:accent5>
+      <a:accent6>
+        <a:srgbClr val="70AD47"/>
+      </a:accent6>
+      <a:hlink>
+        <a:srgbClr val="0563C1"/>
+      </a:hlink>
+      <a:folHlink>
+        <a:srgbClr val="954F72"/>
+      </a:folHlink>
+    </a:clrScheme>
+    <a:fontScheme name="Office">
+      <a:majorFont>
+        <a:latin typeface="Calibri Light" panose="020F0302020204030204"/>
+        <a:ea typeface=""/>
+        <a:cs typeface=""/>
+        <a:font script="Jpan" typeface="ＭＳ Ｐゴシック"/>
+        <a:font script="Hang" typeface="맑은 고딕"/>
+        <a:font script="Hans" typeface="宋体"/>
+        <a:font script="Hant" typeface="新細明體"/>
+        <a:font script="Arab" typeface="Times New Roman"/>
+        <a:font script="Hebr" typeface="Times New Roman"/>
+        <a:font script="Thai" typeface="Angsana New"/>
+        <a:font script="Ethi" typeface="Nyala"/>
+        <a:font script="Beng" typeface="Vrinda"/>
+        <a:font script="Gujr" typeface="Shruti"/>
+        <a:font script="Khmr" typeface="MoolBoran"/>
+        <a:font script="Knda" typeface="Tunga"/>
+        <a:font script="Guru" typeface="Raavi"/>
+        <a:font script="Cans" typeface="Euphemia"/>
+        <a:font script="Cher" typeface="Plantagenet Cherokee"/>
+        <a:font script="Yiii" typeface="Microsoft Yi Baiti"/>
+        <a:font script="Tibt" typeface="Microsoft Himalaya"/>
+        <a:font script="Thaa" typeface="MV Boli"/>
+        <a:font script="Deva" typeface="Mangal"/>
+        <a:font script="Telu" typeface="Gautami"/>
+        <a:font script="Taml" typeface="Latha"/>
+        <a:font script="Syrc" typeface="Estrangelo Edessa"/>
+        <a:font script="Orya" typeface="Kalinga"/>
+        <a:font script="Mlym" typeface="Kartika"/>
+        <a:font script="Laoo" typeface="DokChampa"/>
+        <a:font script="Sinh" typeface="Iskoola Pota"/>
+        <a:font script="Mong" typeface="Mongolian Baiti"/>
+        <a:font script="Viet" typeface="Times New Roman"/>
+        <a:font script="Uigh" typeface="Microsoft Uighur"/>
+        <a:font script="Geor" typeface="Sylfaen"/>
+      </a:majorFont>
+      <a:minorFont>
+        <a:latin typeface="Calibri" panose="020F0502020204030204"/>
+        <a:ea typeface=""/>
+        <a:cs typeface=""/>
+        <a:font script="Jpan" typeface="ＭＳ Ｐゴシック"/>
+        <a:font script="Hang" typeface="맑은 고딕"/>
+        <a:font script="Hans" typeface="宋体"/>
+        <a:font script="Hant" typeface="新細明體"/>
+        <a:font script="Arab" typeface="Arial"/>
+        <a:font script="Hebr" typeface="Arial"/>
+        <a:font script="Thai" typeface="Cordia New"/>
+        <a:font script="Ethi" typeface="Nyala"/>
+        <a:font script="Beng" typeface="Vrinda"/>
+        <a:font script="Gujr" typeface="Shruti"/>
+        <a:font script="Khmr" typeface="DaunPenh"/>
+        <a:font script="Knda" typeface="Tunga"/>
+        <a:font script="Guru" typeface="Raavi"/>
+        <a:font script="Cans" typeface="Euphemia"/>
+        <a:font script="Cher" typeface="Plantagenet Cherokee"/>
+        <a:font script="Yiii" typeface="Microsoft Yi Baiti"/>
+        <a:font script="Tibt" typeface="Microsoft Himalaya"/>
+        <a:font script="Thaa" typeface="MV Boli"/>
+        <a:font script="Deva" typeface="Mangal"/>
+        <a:font script="Telu" typeface="Gautami"/>
+        <a:font script="Taml" typeface="Latha"/>
+        <a:font script="Syrc" typeface="Estrangelo Edessa"/>
+        <a:font script="Orya" typeface="Kalinga"/>
+        <a:font script="Mlym" typeface="Kartika"/>
+        <a:font script="Laoo" typeface="DokChampa"/>
+        <a:font script="Sinh" typeface="Iskoola Pota"/>
+        <a:font script="Mong" typeface="Mongolian Baiti"/>
+        <a:font script="Viet" typeface="Arial"/>
+        <a:font script="Uigh" typeface="Microsoft Uighur"/>
+        <a:font script="Geor" typeface="Sylfaen"/>
+      </a:minorFont>
+    </a:fontScheme>
+    <a:fmtScheme name="Office">
+      <a:fillStyleLst>
+        <a:solidFill>
+          <a:schemeClr val="phClr"/>
+        </a:solidFill>
+        <a:gradFill rotWithShape="1">
+          <a:gsLst>
+            <a:gs pos="0">
+              <a:schemeClr val="phClr">
+                <a:lumMod val="110000"/>
+                <a:satMod val="105000"/>
+                <a:tint val="67000"/>
+              </a:schemeClr>
+            </a:gs>
+            <a:gs pos="50000">
+              <a:schemeClr val="phClr">
+                <a:lumMod val="105000"/>
+                <a:satMod val="103000"/>
+                <a:tint val="73000"/>
+              </a:schemeClr>
+            </a:gs>
+            <a:gs pos="100000">
+              <a:schemeClr val="phClr">
+                <a:lumMod val="105000"/>
+                <a:satMod val="109000"/>
+                <a:tint val="81000"/>
+              </a:schemeClr>
+            </a:gs>
+          </a:gsLst>
+          <a:lin ang="5400000" scaled="0"/>
+        </a:gradFill>
+        <a:gradFill rotWithShape="1">
+          <a:gsLst>
+            <a:gs pos="0">
+              <a:schemeClr val="phClr">
+                <a:satMod val="103000"/>
+                <a:lumMod val="102000"/>
+                <a:tint val="94000"/>
+              </a:schemeClr>
+            </a:gs>
+            <a:gs pos="50000">
+              <a:schemeClr val="phClr">
+                <a:satMod val="110000"/>
+                <a:lumMod val="100000"/>
+                <a:shade val="100000"/>
+              </a:schemeClr>
+            </a:gs>
+            <a:gs pos="100000">
+              <a:schemeClr val="phClr">
+                <a:lumMod val="99000"/>
+                <a:satMod val="120000"/>
+                <a:shade val="78000"/>
+              </a:schemeClr>
+            </a:gs>
+          </a:gsLst>
+          <a:lin ang="5400000" scaled="0"/>
+        </a:gradFill>
+      </a:fillStyleLst>
+      <a:lnStyleLst>
+        <a:ln w="6350" cap="flat" cmpd="sng" algn="ctr">
+          <a:solidFill>
+            <a:schemeClr val="phClr"/>
+          </a:solidFill>
+          <a:prstDash val="solid"/>
+          <a:miter lim="800000"/>
+        </a:ln>
+        <a:ln w="12700" cap="flat" cmpd="sng" algn="ctr">
+          <a:solidFill>
+            <a:schemeClr val="phClr"/>
+          </a:solidFill>
+          <a:prstDash val="solid"/>
+          <a:miter lim="800000"/>
+        </a:ln>
+        <a:ln w="19050" cap="flat" cmpd="sng" algn="ctr">
+          <a:solidFill>
+            <a:schemeClr val="phClr"/>
+          </a:solidFill>
+          <a:prstDash val="solid"/>
+          <a:miter lim="800000"/>
+        </a:ln>
+      </a:lnStyleLst>
+      <a:effectStyleLst>
+        <a:effectStyle>
+          <a:effectLst/>
+        </a:effectStyle>
+        <a:effectStyle>
+          <a:effectLst/>
+        </a:effectStyle>
+        <a:effectStyle>
+          <a:effectLst>
+            <a:outerShdw blurRad="57150" dist="19050" dir="5400000" algn="ctr" rotWithShape="0">
+              <a:srgbClr val="000000">
+                <a:alpha val="63000"/>
+              </a:srgbClr>
+            </a:outerShdw>
+          </a:effectLst>
+        </a:effectStyle>
+      </a:effectStyleLst>
+      <a:bgFillStyleLst>
+        <a:solidFill>
+          <a:schemeClr val="phClr"/>
+        </a:solidFill>
+        <a:solidFill>
+          <a:schemeClr val="phClr">
+            <a:tint val="95000"/>
+            <a:satMod val="170000"/>
+          </a:schemeClr>
+        </a:solidFill>
+        <a:gradFill rotWithShape="1">
+          <a:gsLst>
+            <a:gs pos="0">
+              <a:schemeClr val="phClr">
+                <a:tint val="93000"/>
+                <a:satMod val="150000"/>
+                <a:shade val="98000"/>
+                <a:lumMod val="102000"/>
+              </a:schemeClr>
+            </a:gs>
+            <a:gs pos="50000">
+              <a:schemeClr val="phClr">
+                <a:tint val="98000"/>
+                <a:satMod val="130000"/>
+                <a:shade val="90000"/>
+                <a:lumMod val="103000"/>
+              </a:schemeClr>
+            </a:gs>
+            <a:gs pos="100000">
+              <a:schemeClr val="phClr">
+                <a:shade val="63000"/>
+                <a:satMod val="120000"/>
+              </a:schemeClr>
+            </a:gs>
+          </a:gsLst>
+          <a:lin ang="5400000" scaled="0"/>
+        </a:gradFill>
+      </a:bgFillStyleLst>
+    </a:fmtScheme>
+  </a:themeElements>
+  <a:objectDefaults/>
+  <a:extraClrSchemeLst/>
+  <a:extLst>
+    <a:ext uri="{05A4C25C-085E-4340-85A3-A5531E510DB2}">
+      <thm15:themeFamily xmlns:thm15="http://schemas.microsoft.com/office/thememl/2012/main" name="Office Theme" id="{62F939B6-93AF-4DB8-9C6B-D6C7DFDC589F}" vid="{4A3C46E8-61CC-4603-A589-7422A47A8E4A}"/>
     </a:ext>
   </a:extLst>
 </a:theme>
